--- a/02-clean-code & testing/Testing.pptx
+++ b/02-clean-code & testing/Testing.pptx
@@ -8431,7 +8431,7 @@
           <a:p>
             <a:fld id="{16E5F246-0B7D-44DF-8C1B-EDFCA5DA626A}" type="datetimeFigureOut">
               <a:rPr lang="ru-RU" smtClean="0"/>
-              <a:t>20.03.2014</a:t>
+              <a:t>21.03.2014</a:t>
             </a:fld>
             <a:endParaRPr lang="ru-RU"/>
           </a:p>
@@ -9191,7 +9191,7 @@
           <a:p>
             <a:fld id="{ED7A5A9E-355E-4F5A-82F5-195339D13266}" type="datetimeFigureOut">
               <a:rPr lang="ru-RU" smtClean="0"/>
-              <a:t>20.03.2014</a:t>
+              <a:t>21.03.2014</a:t>
             </a:fld>
             <a:endParaRPr lang="ru-RU"/>
           </a:p>
@@ -9361,7 +9361,7 @@
           <a:p>
             <a:fld id="{ED7A5A9E-355E-4F5A-82F5-195339D13266}" type="datetimeFigureOut">
               <a:rPr lang="ru-RU" smtClean="0"/>
-              <a:t>20.03.2014</a:t>
+              <a:t>21.03.2014</a:t>
             </a:fld>
             <a:endParaRPr lang="ru-RU"/>
           </a:p>
@@ -9541,7 +9541,7 @@
           <a:p>
             <a:fld id="{ED7A5A9E-355E-4F5A-82F5-195339D13266}" type="datetimeFigureOut">
               <a:rPr lang="ru-RU" smtClean="0"/>
-              <a:t>20.03.2014</a:t>
+              <a:t>21.03.2014</a:t>
             </a:fld>
             <a:endParaRPr lang="ru-RU"/>
           </a:p>
@@ -9711,7 +9711,7 @@
           <a:p>
             <a:fld id="{ED7A5A9E-355E-4F5A-82F5-195339D13266}" type="datetimeFigureOut">
               <a:rPr lang="ru-RU" smtClean="0"/>
-              <a:t>20.03.2014</a:t>
+              <a:t>21.03.2014</a:t>
             </a:fld>
             <a:endParaRPr lang="ru-RU"/>
           </a:p>
@@ -9957,7 +9957,7 @@
           <a:p>
             <a:fld id="{ED7A5A9E-355E-4F5A-82F5-195339D13266}" type="datetimeFigureOut">
               <a:rPr lang="ru-RU" smtClean="0"/>
-              <a:t>20.03.2014</a:t>
+              <a:t>21.03.2014</a:t>
             </a:fld>
             <a:endParaRPr lang="ru-RU"/>
           </a:p>
@@ -10245,7 +10245,7 @@
           <a:p>
             <a:fld id="{ED7A5A9E-355E-4F5A-82F5-195339D13266}" type="datetimeFigureOut">
               <a:rPr lang="ru-RU" smtClean="0"/>
-              <a:t>20.03.2014</a:t>
+              <a:t>21.03.2014</a:t>
             </a:fld>
             <a:endParaRPr lang="ru-RU"/>
           </a:p>
@@ -10667,7 +10667,7 @@
           <a:p>
             <a:fld id="{ED7A5A9E-355E-4F5A-82F5-195339D13266}" type="datetimeFigureOut">
               <a:rPr lang="ru-RU" smtClean="0"/>
-              <a:t>20.03.2014</a:t>
+              <a:t>21.03.2014</a:t>
             </a:fld>
             <a:endParaRPr lang="ru-RU"/>
           </a:p>
@@ -10785,7 +10785,7 @@
           <a:p>
             <a:fld id="{ED7A5A9E-355E-4F5A-82F5-195339D13266}" type="datetimeFigureOut">
               <a:rPr lang="ru-RU" smtClean="0"/>
-              <a:t>20.03.2014</a:t>
+              <a:t>21.03.2014</a:t>
             </a:fld>
             <a:endParaRPr lang="ru-RU"/>
           </a:p>
@@ -10880,7 +10880,7 @@
           <a:p>
             <a:fld id="{ED7A5A9E-355E-4F5A-82F5-195339D13266}" type="datetimeFigureOut">
               <a:rPr lang="ru-RU" smtClean="0"/>
-              <a:t>20.03.2014</a:t>
+              <a:t>21.03.2014</a:t>
             </a:fld>
             <a:endParaRPr lang="ru-RU"/>
           </a:p>
@@ -11157,7 +11157,7 @@
           <a:p>
             <a:fld id="{ED7A5A9E-355E-4F5A-82F5-195339D13266}" type="datetimeFigureOut">
               <a:rPr lang="ru-RU" smtClean="0"/>
-              <a:t>20.03.2014</a:t>
+              <a:t>21.03.2014</a:t>
             </a:fld>
             <a:endParaRPr lang="ru-RU"/>
           </a:p>
@@ -11410,7 +11410,7 @@
           <a:p>
             <a:fld id="{ED7A5A9E-355E-4F5A-82F5-195339D13266}" type="datetimeFigureOut">
               <a:rPr lang="ru-RU" smtClean="0"/>
-              <a:t>20.03.2014</a:t>
+              <a:t>21.03.2014</a:t>
             </a:fld>
             <a:endParaRPr lang="ru-RU"/>
           </a:p>
@@ -11623,7 +11623,7 @@
           <a:p>
             <a:fld id="{ED7A5A9E-355E-4F5A-82F5-195339D13266}" type="datetimeFigureOut">
               <a:rPr lang="ru-RU" smtClean="0"/>
-              <a:t>20.03.2014</a:t>
+              <a:t>21.03.2014</a:t>
             </a:fld>
             <a:endParaRPr lang="ru-RU"/>
           </a:p>
@@ -12044,11 +12044,7 @@
             </a:r>
             <a:r>
               <a:rPr lang="ru-RU" dirty="0" smtClean="0"/>
-              <a:t>, март </a:t>
-            </a:r>
-            <a:r>
-              <a:rPr lang="ru-RU" dirty="0" smtClean="0"/>
-              <a:t>2014</a:t>
+              <a:t>, март 2014</a:t>
             </a:r>
           </a:p>
           <a:p>
@@ -14680,7 +14676,11 @@
           <a:p>
             <a:r>
               <a:rPr lang="ru-RU" dirty="0" smtClean="0"/>
-              <a:t>Гарантия работоспособности.</a:t>
+              <a:t>Вера </a:t>
+            </a:r>
+            <a:r>
+              <a:rPr lang="ru-RU" smtClean="0"/>
+              <a:t>в корректность</a:t>
             </a:r>
             <a:endParaRPr lang="ru-RU" dirty="0"/>
           </a:p>
